--- a/azure-functions/examples/Mustermann, Max DE_201028.pptx
+++ b/azure-functions/examples/Mustermann, Max DE_201028.pptx
@@ -209,7 +209,7 @@
                   <a:schemeClr val="tx2"/>
                 </a:solidFill>
               </a:rPr>
-              <a:t>30.05.25</a:t>
+              <a:t>12.06.25</a:t>
             </a:fld>
             <a:endParaRPr lang="de-DE" sz="1000">
               <a:solidFill>
@@ -335,7 +335,7 @@
             <a:fld id="{E45C0D7D-5195-4F5B-87E7-13C7BF9E7F29}" type="datetimeFigureOut">
               <a:rPr lang="de-DE" smtClean="0"/>
               <a:pPr/>
-              <a:t>30.05.25</a:t>
+              <a:t>12.06.25</a:t>
             </a:fld>
             <a:endParaRPr lang="de-DE" dirty="0"/>
           </a:p>
@@ -992,7 +992,7 @@
           <a:p>
             <a:fld id="{62617C13-86F7-470E-8828-65CC1372C3B0}" type="datetime4">
               <a:rPr lang="de-DE" smtClean="0"/>
-              <a:t>30. Mai 2025</a:t>
+              <a:t>12. Juni 2025</a:t>
             </a:fld>
             <a:endParaRPr lang="de-DE" dirty="0"/>
           </a:p>
@@ -1508,7 +1508,7 @@
           <a:p>
             <a:fld id="{62617C13-86F7-470E-8828-65CC1372C3B0}" type="datetime4">
               <a:rPr lang="de-DE" smtClean="0"/>
-              <a:t>30. Mai 2025</a:t>
+              <a:t>12. Juni 2025</a:t>
             </a:fld>
             <a:endParaRPr lang="de-DE" dirty="0"/>
           </a:p>
@@ -4309,7 +4309,7 @@
           <a:p>
             <a:fld id="{62617C13-86F7-470E-8828-65CC1372C3B0}" type="datetime4">
               <a:rPr lang="de-DE" smtClean="0"/>
-              <a:t>30. Mai 2025</a:t>
+              <a:t>12. Juni 2025</a:t>
             </a:fld>
             <a:endParaRPr lang="de-DE" dirty="0"/>
           </a:p>
@@ -4744,7 +4744,7 @@
           <a:p>
             <a:fld id="{62617C13-86F7-470E-8828-65CC1372C3B0}" type="datetime4">
               <a:rPr lang="de-DE" smtClean="0"/>
-              <a:t>30. Mai 2025</a:t>
+              <a:t>12. Juni 2025</a:t>
             </a:fld>
             <a:endParaRPr lang="de-DE" dirty="0"/>
           </a:p>
@@ -5222,7 +5222,7 @@
           <a:p>
             <a:fld id="{62617C13-86F7-470E-8828-65CC1372C3B0}" type="datetime4">
               <a:rPr lang="de-DE" smtClean="0"/>
-              <a:t>30. Mai 2025</a:t>
+              <a:t>12. Juni 2025</a:t>
             </a:fld>
             <a:endParaRPr lang="de-DE" dirty="0"/>
           </a:p>
@@ -8327,7 +8327,7 @@
           <a:p>
             <a:fld id="{62617C13-86F7-470E-8828-65CC1372C3B0}" type="datetime4">
               <a:rPr lang="de-DE" smtClean="0"/>
-              <a:t>30. Mai 2025</a:t>
+              <a:t>12. Juni 2025</a:t>
             </a:fld>
             <a:endParaRPr lang="de-DE" dirty="0"/>
           </a:p>
@@ -8964,7 +8964,7 @@
           <a:p>
             <a:fld id="{62617C13-86F7-470E-8828-65CC1372C3B0}" type="datetime4">
               <a:rPr lang="de-DE" smtClean="0"/>
-              <a:t>30. Mai 2025</a:t>
+              <a:t>12. Juni 2025</a:t>
             </a:fld>
             <a:endParaRPr lang="de-DE" dirty="0"/>
           </a:p>
@@ -9665,7 +9665,7 @@
           <a:p>
             <a:fld id="{62617C13-86F7-470E-8828-65CC1372C3B0}" type="datetime4">
               <a:rPr lang="de-DE" smtClean="0"/>
-              <a:t>30. Mai 2025</a:t>
+              <a:t>12. Juni 2025</a:t>
             </a:fld>
             <a:endParaRPr lang="de-DE" dirty="0"/>
           </a:p>
@@ -10242,7 +10242,7 @@
           <a:p>
             <a:fld id="{62617C13-86F7-470E-8828-65CC1372C3B0}" type="datetime4">
               <a:rPr lang="de-DE" smtClean="0"/>
-              <a:t>30. Mai 2025</a:t>
+              <a:t>12. Juni 2025</a:t>
             </a:fld>
             <a:endParaRPr lang="de-DE" dirty="0"/>
           </a:p>
@@ -10820,7 +10820,7 @@
           <a:p>
             <a:fld id="{62617C13-86F7-470E-8828-65CC1372C3B0}" type="datetime4">
               <a:rPr lang="de-DE" smtClean="0"/>
-              <a:t>30. Mai 2025</a:t>
+              <a:t>12. Juni 2025</a:t>
             </a:fld>
             <a:endParaRPr lang="de-DE" dirty="0"/>
           </a:p>
@@ -11069,7 +11069,7 @@
           <a:p>
             <a:fld id="{62617C13-86F7-470E-8828-65CC1372C3B0}" type="datetime4">
               <a:rPr lang="de-DE" smtClean="0"/>
-              <a:t>30. Mai 2025</a:t>
+              <a:t>12. Juni 2025</a:t>
             </a:fld>
             <a:endParaRPr lang="de-DE" dirty="0"/>
           </a:p>
@@ -13585,35 +13585,6 @@
           <a:chExt cx="0" cy="0"/>
         </a:xfrm>
       </p:grpSpPr>
-      <p:pic>
-        <p:nvPicPr>
-          <p:cNvPr id="12" name="Bildplatzhalter 11" descr="Male profile outline">
-            <a:extLst>
-              <a:ext uri="{FF2B5EF4-FFF2-40B4-BE49-F238E27FC236}">
-                <a16:creationId xmlns:a16="http://schemas.microsoft.com/office/drawing/2014/main" id="{1B390B4F-61BA-4ECC-A43C-EAF75E003ED4}"/>
-              </a:ext>
-            </a:extLst>
-          </p:cNvPr>
-          <p:cNvPicPr>
-            <a:picLocks noGrp="1" noChangeAspect="1"/>
-          </p:cNvPicPr>
-          <p:nvPr>
-            <p:ph type="pic" sz="quarter" idx="16"/>
-          </p:nvPr>
-        </p:nvPicPr>
-        <p:blipFill>
-          <a:blip r:embed="rId2">
-            <a:extLst>
-              <a:ext uri="{96DAC541-7B7A-43D3-8B79-37D633B846F1}">
-                <asvg:svgBlip xmlns:asvg="http://schemas.microsoft.com/office/drawing/2016/SVG/main" r:embed="rId3"/>
-              </a:ext>
-            </a:extLst>
-          </a:blip>
-          <a:srcRect l="9105" r="9105"/>
-          <a:stretch/>
-        </p:blipFill>
-        <p:spPr/>
-      </p:pic>
       <p:sp>
         <p:nvSpPr>
           <p:cNvPr id="3" name="Foliennummernplatzhalter 2"/>
@@ -13698,7 +13669,7 @@
           <a:p>
             <a:fld id="{62617C13-86F7-470E-8828-65CC1372C3B0}" type="datetime4">
               <a:rPr lang="de-DE" smtClean="0"/>
-              <a:t>30. Mai 2025</a:t>
+              <a:t>12. Juni 2025</a:t>
             </a:fld>
             <a:endParaRPr lang="de-DE" dirty="0"/>
           </a:p>
@@ -14536,6 +14507,37 @@
           </a:p>
         </p:txBody>
       </p:sp>
+      <p:pic>
+        <p:nvPicPr>
+          <p:cNvPr id="14" name="Picture Placeholder 13" descr="A person smiling at camera&#10;&#10;AI-generated content may be incorrect.">
+            <a:extLst>
+              <a:ext uri="{FF2B5EF4-FFF2-40B4-BE49-F238E27FC236}">
+                <a16:creationId xmlns:a16="http://schemas.microsoft.com/office/drawing/2014/main" id="{3A02D1E0-75A1-429E-2F65-C54F93367DE3}"/>
+              </a:ext>
+            </a:extLst>
+          </p:cNvPr>
+          <p:cNvPicPr>
+            <a:picLocks noGrp="1" noChangeAspect="1"/>
+          </p:cNvPicPr>
+          <p:nvPr>
+            <p:ph type="pic" sz="quarter" idx="16"/>
+          </p:nvPr>
+        </p:nvPicPr>
+        <p:blipFill>
+          <a:blip r:embed="rId2">
+            <a:extLst>
+              <a:ext uri="{28A0092B-C50C-407E-A947-70E740481C1C}">
+                <a14:useLocalDpi xmlns:a14="http://schemas.microsoft.com/office/drawing/2010/main" val="0"/>
+              </a:ext>
+            </a:extLst>
+          </a:blip>
+          <a:srcRect l="1125" r="1125"/>
+          <a:stretch>
+            <a:fillRect/>
+          </a:stretch>
+        </p:blipFill>
+        <p:spPr/>
+      </p:pic>
     </p:spTree>
     <p:extLst>
       <p:ext uri="{BB962C8B-B14F-4D97-AF65-F5344CB8AC3E}">
@@ -14566,35 +14568,6 @@
           <a:chExt cx="0" cy="0"/>
         </a:xfrm>
       </p:grpSpPr>
-      <p:pic>
-        <p:nvPicPr>
-          <p:cNvPr id="13" name="Bildplatzhalter 12" descr="Male profile outline">
-            <a:extLst>
-              <a:ext uri="{FF2B5EF4-FFF2-40B4-BE49-F238E27FC236}">
-                <a16:creationId xmlns:a16="http://schemas.microsoft.com/office/drawing/2014/main" id="{86BD603C-3F61-4AEC-9EB2-9737417DA37F}"/>
-              </a:ext>
-            </a:extLst>
-          </p:cNvPr>
-          <p:cNvPicPr>
-            <a:picLocks noGrp="1" noChangeAspect="1"/>
-          </p:cNvPicPr>
-          <p:nvPr>
-            <p:ph type="pic" sz="quarter" idx="16"/>
-          </p:nvPr>
-        </p:nvPicPr>
-        <p:blipFill>
-          <a:blip r:embed="rId2">
-            <a:extLst>
-              <a:ext uri="{96DAC541-7B7A-43D3-8B79-37D633B846F1}">
-                <asvg:svgBlip xmlns:asvg="http://schemas.microsoft.com/office/drawing/2016/SVG/main" r:embed="rId3"/>
-              </a:ext>
-            </a:extLst>
-          </a:blip>
-          <a:srcRect l="9105" r="9105"/>
-          <a:stretch/>
-        </p:blipFill>
-        <p:spPr/>
-      </p:pic>
       <p:sp>
         <p:nvSpPr>
           <p:cNvPr id="3" name="Foliennummernplatzhalter 2"/>
@@ -14679,7 +14652,7 @@
           <a:p>
             <a:fld id="{62617C13-86F7-470E-8828-65CC1372C3B0}" type="datetime4">
               <a:rPr lang="de-DE" smtClean="0"/>
-              <a:t>30. Mai 2025</a:t>
+              <a:t>12. Juni 2025</a:t>
             </a:fld>
             <a:endParaRPr lang="de-DE" dirty="0"/>
           </a:p>
@@ -15591,6 +15564,37 @@
           </a:p>
         </p:txBody>
       </p:sp>
+      <p:pic>
+        <p:nvPicPr>
+          <p:cNvPr id="15" name="Picture Placeholder 14" descr="A person smiling at camera&#10;&#10;AI-generated content may be incorrect.">
+            <a:extLst>
+              <a:ext uri="{FF2B5EF4-FFF2-40B4-BE49-F238E27FC236}">
+                <a16:creationId xmlns:a16="http://schemas.microsoft.com/office/drawing/2014/main" id="{F8628679-55F9-72AC-40BB-88E124AA725A}"/>
+              </a:ext>
+            </a:extLst>
+          </p:cNvPr>
+          <p:cNvPicPr>
+            <a:picLocks noGrp="1" noChangeAspect="1"/>
+          </p:cNvPicPr>
+          <p:nvPr>
+            <p:ph type="pic" sz="quarter" idx="16"/>
+          </p:nvPr>
+        </p:nvPicPr>
+        <p:blipFill>
+          <a:blip r:embed="rId2">
+            <a:extLst>
+              <a:ext uri="{28A0092B-C50C-407E-A947-70E740481C1C}">
+                <a14:useLocalDpi xmlns:a14="http://schemas.microsoft.com/office/drawing/2010/main" val="0"/>
+              </a:ext>
+            </a:extLst>
+          </a:blip>
+          <a:srcRect l="1125" r="1125"/>
+          <a:stretch>
+            <a:fillRect/>
+          </a:stretch>
+        </p:blipFill>
+        <p:spPr/>
+      </p:pic>
     </p:spTree>
     <p:extLst>
       <p:ext uri="{BB962C8B-B14F-4D97-AF65-F5344CB8AC3E}">
@@ -15705,7 +15709,7 @@
           <a:p>
             <a:fld id="{62617C13-86F7-470E-8828-65CC1372C3B0}" type="datetime4">
               <a:rPr lang="de-DE" smtClean="0"/>
-              <a:t>30. Mai 2025</a:t>
+              <a:t>12. Juni 2025</a:t>
             </a:fld>
             <a:endParaRPr lang="de-DE" dirty="0"/>
           </a:p>
@@ -17178,33 +17182,6 @@
 </file>
 
 <file path=customXml/item1.xml><?xml version="1.0" encoding="utf-8"?>
-<?mso-contentType ?>
-<FormTemplates xmlns="http://schemas.microsoft.com/sharepoint/v3/contenttype/forms">
-  <Display>DocumentLibraryForm</Display>
-  <Edit>DocumentLibraryForm</Edit>
-  <New>DocumentLibraryForm</New>
-</FormTemplates>
-</file>
-
-<file path=customXml/item2.xml><?xml version="1.0" encoding="utf-8"?>
-<p:properties xmlns:p="http://schemas.microsoft.com/office/2006/metadata/properties" xmlns:xsi="http://www.w3.org/2001/XMLSchema-instance" xmlns:pc="http://schemas.microsoft.com/office/infopath/2007/PartnerControls">
-  <documentManagement>
-    <TaxCatchAll xmlns="f247cc86-41ce-4e54-895f-61d07d03751e" xsi:nil="true"/>
-    <lcf76f155ced4ddcb4097134ff3c332f xmlns="c70c37c3-6fe6-4316-bb79-6c535e774478">
-      <Terms xmlns="http://schemas.microsoft.com/office/infopath/2007/PartnerControls"/>
-    </lcf76f155ced4ddcb4097134ff3c332f>
-    <Personen xmlns="c70c37c3-6fe6-4316-bb79-6c535e774478">
-      <UserInfo>
-        <DisplayName/>
-        <AccountId xsi:nil="true"/>
-        <AccountType/>
-      </UserInfo>
-    </Personen>
-  </documentManagement>
-</p:properties>
-</file>
-
-<file path=customXml/item3.xml><?xml version="1.0" encoding="utf-8"?>
 <ct:contentTypeSchema xmlns:ct="http://schemas.microsoft.com/office/2006/metadata/contentType" xmlns:ma="http://schemas.microsoft.com/office/2006/metadata/properties/metaAttributes" ct:_="" ma:_="" ma:contentTypeName="Dokument" ma:contentTypeID="0x010100ED369A2B9592B44C89D12E69AC892C99" ma:contentTypeVersion="12" ma:contentTypeDescription="Ein neues Dokument erstellen." ma:contentTypeScope="" ma:versionID="c9dab8326fc9122a30f2ddef095df6ab">
   <xsd:schema xmlns:xsd="http://www.w3.org/2001/XMLSchema" xmlns:xs="http://www.w3.org/2001/XMLSchema" xmlns:p="http://schemas.microsoft.com/office/2006/metadata/properties" xmlns:ns2="c70c37c3-6fe6-4316-bb79-6c535e774478" xmlns:ns3="f247cc86-41ce-4e54-895f-61d07d03751e" targetNamespace="http://schemas.microsoft.com/office/2006/metadata/properties" ma:root="true" ma:fieldsID="1b0673540b584560623b52e843080132" ns2:_="" ns3:_="">
     <xsd:import namespace="c70c37c3-6fe6-4316-bb79-6c535e774478"/>
@@ -17433,10 +17410,48 @@
 </ct:contentTypeSchema>
 </file>
 
+<file path=customXml/item2.xml><?xml version="1.0" encoding="utf-8"?>
+<p:properties xmlns:p="http://schemas.microsoft.com/office/2006/metadata/properties" xmlns:xsi="http://www.w3.org/2001/XMLSchema-instance" xmlns:pc="http://schemas.microsoft.com/office/infopath/2007/PartnerControls">
+  <documentManagement>
+    <TaxCatchAll xmlns="f247cc86-41ce-4e54-895f-61d07d03751e" xsi:nil="true"/>
+    <lcf76f155ced4ddcb4097134ff3c332f xmlns="c70c37c3-6fe6-4316-bb79-6c535e774478">
+      <Terms xmlns="http://schemas.microsoft.com/office/infopath/2007/PartnerControls"/>
+    </lcf76f155ced4ddcb4097134ff3c332f>
+    <Personen xmlns="c70c37c3-6fe6-4316-bb79-6c535e774478">
+      <UserInfo>
+        <DisplayName/>
+        <AccountId xsi:nil="true"/>
+        <AccountType/>
+      </UserInfo>
+    </Personen>
+  </documentManagement>
+</p:properties>
+</file>
+
+<file path=customXml/item3.xml><?xml version="1.0" encoding="utf-8"?>
+<?mso-contentType ?>
+<FormTemplates xmlns="http://schemas.microsoft.com/sharepoint/v3/contenttype/forms">
+  <Display>DocumentLibraryForm</Display>
+  <Edit>DocumentLibraryForm</Edit>
+  <New>DocumentLibraryForm</New>
+</FormTemplates>
+</file>
+
 <file path=customXml/itemProps1.xml><?xml version="1.0" encoding="utf-8"?>
-<ds:datastoreItem xmlns:ds="http://schemas.openxmlformats.org/officeDocument/2006/customXml" ds:itemID="{B74324EB-C4AB-4800-9C59-8D4992801759}">
+<ds:datastoreItem xmlns:ds="http://schemas.openxmlformats.org/officeDocument/2006/customXml" ds:itemID="{25DC136B-DFAF-4FC7-9BB2-3354D236D72A}">
   <ds:schemaRefs>
-    <ds:schemaRef ds:uri="http://schemas.microsoft.com/sharepoint/v3/contenttype/forms"/>
+    <ds:schemaRef ds:uri="http://schemas.microsoft.com/office/2006/metadata/contentType"/>
+    <ds:schemaRef ds:uri="http://schemas.microsoft.com/office/2006/metadata/properties/metaAttributes"/>
+    <ds:schemaRef ds:uri="http://www.w3.org/2001/XMLSchema"/>
+    <ds:schemaRef ds:uri="http://schemas.microsoft.com/office/2006/metadata/properties"/>
+    <ds:schemaRef ds:uri="c70c37c3-6fe6-4316-bb79-6c535e774478"/>
+    <ds:schemaRef ds:uri="f247cc86-41ce-4e54-895f-61d07d03751e"/>
+    <ds:schemaRef ds:uri="http://schemas.microsoft.com/office/2006/documentManagement/types"/>
+    <ds:schemaRef ds:uri="http://schemas.microsoft.com/office/infopath/2007/PartnerControls"/>
+    <ds:schemaRef ds:uri="http://schemas.openxmlformats.org/package/2006/metadata/core-properties"/>
+    <ds:schemaRef ds:uri="http://purl.org/dc/elements/1.1/"/>
+    <ds:schemaRef ds:uri="http://purl.org/dc/terms/"/>
+    <ds:schemaRef ds:uri="http://schemas.microsoft.com/internal/obd"/>
   </ds:schemaRefs>
 </ds:datastoreItem>
 </file>
@@ -17453,20 +17468,9 @@
 </file>
 
 <file path=customXml/itemProps3.xml><?xml version="1.0" encoding="utf-8"?>
-<ds:datastoreItem xmlns:ds="http://schemas.openxmlformats.org/officeDocument/2006/customXml" ds:itemID="{25DC136B-DFAF-4FC7-9BB2-3354D236D72A}">
+<ds:datastoreItem xmlns:ds="http://schemas.openxmlformats.org/officeDocument/2006/customXml" ds:itemID="{B74324EB-C4AB-4800-9C59-8D4992801759}">
   <ds:schemaRefs>
-    <ds:schemaRef ds:uri="http://schemas.microsoft.com/office/2006/metadata/contentType"/>
-    <ds:schemaRef ds:uri="http://schemas.microsoft.com/office/2006/metadata/properties/metaAttributes"/>
-    <ds:schemaRef ds:uri="http://www.w3.org/2001/XMLSchema"/>
-    <ds:schemaRef ds:uri="http://schemas.microsoft.com/office/2006/metadata/properties"/>
-    <ds:schemaRef ds:uri="c70c37c3-6fe6-4316-bb79-6c535e774478"/>
-    <ds:schemaRef ds:uri="f247cc86-41ce-4e54-895f-61d07d03751e"/>
-    <ds:schemaRef ds:uri="http://schemas.microsoft.com/office/2006/documentManagement/types"/>
-    <ds:schemaRef ds:uri="http://schemas.microsoft.com/office/infopath/2007/PartnerControls"/>
-    <ds:schemaRef ds:uri="http://schemas.openxmlformats.org/package/2006/metadata/core-properties"/>
-    <ds:schemaRef ds:uri="http://purl.org/dc/elements/1.1/"/>
-    <ds:schemaRef ds:uri="http://purl.org/dc/terms/"/>
-    <ds:schemaRef ds:uri="http://schemas.microsoft.com/internal/obd"/>
+    <ds:schemaRef ds:uri="http://schemas.microsoft.com/sharepoint/v3/contenttype/forms"/>
   </ds:schemaRefs>
 </ds:datastoreItem>
 </file>